--- a/lab-fir/SYN_Workflow.pptx
+++ b/lab-fir/SYN_Workflow.pptx
@@ -210,7 +210,7 @@
           <a:p>
             <a:fld id="{9B467737-079B-4C8D-A6F2-20D95065EB86}" type="datetimeFigureOut">
               <a:rPr lang="zh-TW" altLang="en-US" smtClean="0"/>
-              <a:t>2023/10/14</a:t>
+              <a:t>2023/11/9</a:t>
             </a:fld>
             <a:endParaRPr lang="zh-TW" altLang="en-US"/>
           </a:p>
@@ -792,7 +792,7 @@
           <a:p>
             <a:fld id="{5D543A64-0B08-40D4-A87D-00F45929FAA5}" type="datetimeFigureOut">
               <a:rPr lang="zh-TW" altLang="en-US" smtClean="0"/>
-              <a:t>2023/10/14</a:t>
+              <a:t>2023/11/9</a:t>
             </a:fld>
             <a:endParaRPr lang="zh-TW" altLang="en-US"/>
           </a:p>
@@ -990,7 +990,7 @@
           <a:p>
             <a:fld id="{5D543A64-0B08-40D4-A87D-00F45929FAA5}" type="datetimeFigureOut">
               <a:rPr lang="zh-TW" altLang="en-US" smtClean="0"/>
-              <a:t>2023/10/14</a:t>
+              <a:t>2023/11/9</a:t>
             </a:fld>
             <a:endParaRPr lang="zh-TW" altLang="en-US"/>
           </a:p>
@@ -1198,7 +1198,7 @@
           <a:p>
             <a:fld id="{5D543A64-0B08-40D4-A87D-00F45929FAA5}" type="datetimeFigureOut">
               <a:rPr lang="zh-TW" altLang="en-US" smtClean="0"/>
-              <a:t>2023/10/14</a:t>
+              <a:t>2023/11/9</a:t>
             </a:fld>
             <a:endParaRPr lang="zh-TW" altLang="en-US"/>
           </a:p>
@@ -1396,7 +1396,7 @@
           <a:p>
             <a:fld id="{5D543A64-0B08-40D4-A87D-00F45929FAA5}" type="datetimeFigureOut">
               <a:rPr lang="zh-TW" altLang="en-US" smtClean="0"/>
-              <a:t>2023/10/14</a:t>
+              <a:t>2023/11/9</a:t>
             </a:fld>
             <a:endParaRPr lang="zh-TW" altLang="en-US"/>
           </a:p>
@@ -1671,7 +1671,7 @@
           <a:p>
             <a:fld id="{5D543A64-0B08-40D4-A87D-00F45929FAA5}" type="datetimeFigureOut">
               <a:rPr lang="zh-TW" altLang="en-US" smtClean="0"/>
-              <a:t>2023/10/14</a:t>
+              <a:t>2023/11/9</a:t>
             </a:fld>
             <a:endParaRPr lang="zh-TW" altLang="en-US"/>
           </a:p>
@@ -1936,7 +1936,7 @@
           <a:p>
             <a:fld id="{5D543A64-0B08-40D4-A87D-00F45929FAA5}" type="datetimeFigureOut">
               <a:rPr lang="zh-TW" altLang="en-US" smtClean="0"/>
-              <a:t>2023/10/14</a:t>
+              <a:t>2023/11/9</a:t>
             </a:fld>
             <a:endParaRPr lang="zh-TW" altLang="en-US"/>
           </a:p>
@@ -2348,7 +2348,7 @@
           <a:p>
             <a:fld id="{5D543A64-0B08-40D4-A87D-00F45929FAA5}" type="datetimeFigureOut">
               <a:rPr lang="zh-TW" altLang="en-US" smtClean="0"/>
-              <a:t>2023/10/14</a:t>
+              <a:t>2023/11/9</a:t>
             </a:fld>
             <a:endParaRPr lang="zh-TW" altLang="en-US"/>
           </a:p>
@@ -2489,7 +2489,7 @@
           <a:p>
             <a:fld id="{5D543A64-0B08-40D4-A87D-00F45929FAA5}" type="datetimeFigureOut">
               <a:rPr lang="zh-TW" altLang="en-US" smtClean="0"/>
-              <a:t>2023/10/14</a:t>
+              <a:t>2023/11/9</a:t>
             </a:fld>
             <a:endParaRPr lang="zh-TW" altLang="en-US"/>
           </a:p>
@@ -2602,7 +2602,7 @@
           <a:p>
             <a:fld id="{5D543A64-0B08-40D4-A87D-00F45929FAA5}" type="datetimeFigureOut">
               <a:rPr lang="zh-TW" altLang="en-US" smtClean="0"/>
-              <a:t>2023/10/14</a:t>
+              <a:t>2023/11/9</a:t>
             </a:fld>
             <a:endParaRPr lang="zh-TW" altLang="en-US"/>
           </a:p>
@@ -2913,7 +2913,7 @@
           <a:p>
             <a:fld id="{5D543A64-0B08-40D4-A87D-00F45929FAA5}" type="datetimeFigureOut">
               <a:rPr lang="zh-TW" altLang="en-US" smtClean="0"/>
-              <a:t>2023/10/14</a:t>
+              <a:t>2023/11/9</a:t>
             </a:fld>
             <a:endParaRPr lang="zh-TW" altLang="en-US"/>
           </a:p>
@@ -3201,7 +3201,7 @@
           <a:p>
             <a:fld id="{5D543A64-0B08-40D4-A87D-00F45929FAA5}" type="datetimeFigureOut">
               <a:rPr lang="zh-TW" altLang="en-US" smtClean="0"/>
-              <a:t>2023/10/14</a:t>
+              <a:t>2023/11/9</a:t>
             </a:fld>
             <a:endParaRPr lang="zh-TW" altLang="en-US"/>
           </a:p>
@@ -3442,7 +3442,7 @@
           <a:p>
             <a:fld id="{5D543A64-0B08-40D4-A87D-00F45929FAA5}" type="datetimeFigureOut">
               <a:rPr lang="zh-TW" altLang="en-US" smtClean="0"/>
-              <a:t>2023/10/14</a:t>
+              <a:t>2023/11/9</a:t>
             </a:fld>
             <a:endParaRPr lang="zh-TW" altLang="en-US"/>
           </a:p>
@@ -5945,7 +5945,11 @@
             </a:r>
             <a:r>
               <a:rPr lang="en-US" altLang="zh-TW" b="1" dirty="0"/>
-              <a:t> –periods </a:t>
+              <a:t> </a:t>
+            </a:r>
+            <a:r>
+              <a:rPr lang="en-US" altLang="zh-TW" b="1"/>
+              <a:t>–period </a:t>
             </a:r>
             <a:r>
               <a:rPr lang="en-US" altLang="zh-TW" b="1" dirty="0" err="1">
